--- a/others/share/jetbrain/Goland-20200417.pptx
+++ b/others/share/jetbrain/Goland-20200417.pptx
@@ -5,15 +5,16 @@
     <p:sldMasterId id="2147483648" r:id="rId1"/>
   </p:sldMasterIdLst>
   <p:notesMasterIdLst>
-    <p:notesMasterId r:id="rId5"/>
+    <p:notesMasterId r:id="rId6"/>
   </p:notesMasterIdLst>
   <p:handoutMasterIdLst>
-    <p:handoutMasterId r:id="rId6"/>
+    <p:handoutMasterId r:id="rId7"/>
   </p:handoutMasterIdLst>
   <p:sldIdLst>
     <p:sldId id="2466" r:id="rId2"/>
     <p:sldId id="2395" r:id="rId3"/>
     <p:sldId id="2465" r:id="rId4"/>
+    <p:sldId id="2467" r:id="rId5"/>
   </p:sldIdLst>
   <p:sldSz cx="24377650" cy="13716000"/>
   <p:notesSz cx="6858000" cy="9144000"/>
@@ -227,7 +228,7 @@
           </a:lstStyle>
           <a:p>
             <a:fld id="{C2DB3B94-6A50-064C-B270-504FED8FC1C8}" type="datetimeFigureOut">
-              <a:t>4/16/20</a:t>
+              <a:t>2020/4/17</a:t>
             </a:fld>
             <a:endParaRPr lang="en-US"/>
           </a:p>
@@ -408,7 +409,7 @@
             <a:fld id="{EFC10EE1-B198-C942-8235-326C972CBB30}" type="datetimeFigureOut">
               <a:rPr lang="en-US" smtClean="0"/>
               <a:pPr/>
-              <a:t>4/16/20</a:t>
+              <a:t>4/17/2020</a:t>
             </a:fld>
             <a:endParaRPr lang="en-US" dirty="0"/>
           </a:p>
@@ -1297,7 +1298,7 @@
           <p:nvPr userDrawn="1"/>
         </p:nvPicPr>
         <p:blipFill>
-          <a:blip r:embed="rId5">
+          <a:blip r:embed="rId5" cstate="email">
             <a:extLst>
               <a:ext uri="{28A0092B-C50C-407E-A947-70E740481C1C}">
                 <a14:useLocalDpi xmlns:a14="http://schemas.microsoft.com/office/drawing/2010/main" val="0"/>
@@ -2962,10 +2963,875 @@
           </a:prstGeom>
         </p:spPr>
       </p:pic>
+      <p:sp>
+        <p:nvSpPr>
+          <p:cNvPr id="3" name="TextBox 2">
+            <a:extLst>
+              <a:ext uri="{FF2B5EF4-FFF2-40B4-BE49-F238E27FC236}">
+                <a16:creationId xmlns:a16="http://schemas.microsoft.com/office/drawing/2014/main" id="{23930914-3757-4000-9AA8-7A5A61621AA6}"/>
+              </a:ext>
+            </a:extLst>
+          </p:cNvPr>
+          <p:cNvSpPr txBox="1"/>
+          <p:nvPr/>
+        </p:nvSpPr>
+        <p:spPr>
+          <a:xfrm>
+            <a:off x="7512908" y="1160870"/>
+            <a:ext cx="9351919" cy="1169551"/>
+          </a:xfrm>
+          <a:prstGeom prst="rect">
+            <a:avLst/>
+          </a:prstGeom>
+          <a:noFill/>
+        </p:spPr>
+        <p:txBody>
+          <a:bodyPr wrap="none" rtlCol="0">
+            <a:spAutoFit/>
+          </a:bodyPr>
+          <a:lstStyle/>
+          <a:p>
+            <a:pPr algn="ctr"/>
+            <a:r>
+              <a:rPr lang="en-US" sz="7000" b="1" spc="800" dirty="0">
+                <a:solidFill>
+                  <a:schemeClr val="tx2"/>
+                </a:solidFill>
+                <a:latin typeface="Lato Black" charset="0"/>
+                <a:ea typeface="Lato Black" charset="0"/>
+                <a:cs typeface="Lato Black" charset="0"/>
+              </a:rPr>
+              <a:t>Go</a:t>
+            </a:r>
+            <a:r>
+              <a:rPr lang="en-US" altLang="zh-CN" sz="7000" b="1" spc="800" dirty="0">
+                <a:solidFill>
+                  <a:schemeClr val="tx2"/>
+                </a:solidFill>
+                <a:latin typeface="Lato Black" charset="0"/>
+                <a:ea typeface="Lato Black" charset="0"/>
+                <a:cs typeface="Lato Black" charset="0"/>
+              </a:rPr>
+              <a:t>-Micro</a:t>
+            </a:r>
+            <a:r>
+              <a:rPr lang="zh-CN" altLang="en-US" sz="7000" b="1" spc="800" dirty="0">
+                <a:solidFill>
+                  <a:schemeClr val="tx2"/>
+                </a:solidFill>
+                <a:latin typeface="Lato Black" charset="0"/>
+                <a:ea typeface="Lato Black" charset="0"/>
+                <a:cs typeface="Lato Black" charset="0"/>
+              </a:rPr>
+              <a:t> 服务架构</a:t>
+            </a:r>
+            <a:endParaRPr lang="en-US" sz="7000" b="1" spc="800" dirty="0">
+              <a:solidFill>
+                <a:schemeClr val="tx2"/>
+              </a:solidFill>
+              <a:latin typeface="Lato Black" charset="0"/>
+              <a:ea typeface="Lato Black" charset="0"/>
+              <a:cs typeface="Lato Black" charset="0"/>
+            </a:endParaRPr>
+          </a:p>
+        </p:txBody>
+      </p:sp>
     </p:spTree>
     <p:extLst>
       <p:ext uri="{BB962C8B-B14F-4D97-AF65-F5344CB8AC3E}">
         <p14:creationId xmlns:p14="http://schemas.microsoft.com/office/powerpoint/2010/main" val="44007294"/>
+      </p:ext>
+    </p:extLst>
+  </p:cSld>
+  <p:clrMapOvr>
+    <a:masterClrMapping/>
+  </p:clrMapOvr>
+  <p:transition/>
+</p:sld>
+</file>
+
+<file path=ppt/slides/slide4.xml><?xml version="1.0" encoding="utf-8"?>
+<p:sld xmlns:a="http://schemas.openxmlformats.org/drawingml/2006/main" xmlns:r="http://schemas.openxmlformats.org/officeDocument/2006/relationships" xmlns:p="http://schemas.openxmlformats.org/presentationml/2006/main">
+  <p:cSld>
+    <p:spTree>
+      <p:nvGrpSpPr>
+        <p:cNvPr id="1" name=""/>
+        <p:cNvGrpSpPr/>
+        <p:nvPr/>
+      </p:nvGrpSpPr>
+      <p:grpSpPr>
+        <a:xfrm>
+          <a:off x="0" y="0"/>
+          <a:ext cx="0" cy="0"/>
+          <a:chOff x="0" y="0"/>
+          <a:chExt cx="0" cy="0"/>
+        </a:xfrm>
+      </p:grpSpPr>
+      <p:sp>
+        <p:nvSpPr>
+          <p:cNvPr id="3" name="TextBox 2">
+            <a:extLst>
+              <a:ext uri="{FF2B5EF4-FFF2-40B4-BE49-F238E27FC236}">
+                <a16:creationId xmlns:a16="http://schemas.microsoft.com/office/drawing/2014/main" id="{23930914-3757-4000-9AA8-7A5A61621AA6}"/>
+              </a:ext>
+            </a:extLst>
+          </p:cNvPr>
+          <p:cNvSpPr txBox="1"/>
+          <p:nvPr/>
+        </p:nvSpPr>
+        <p:spPr>
+          <a:xfrm>
+            <a:off x="9441319" y="1160870"/>
+            <a:ext cx="5495095" cy="1169551"/>
+          </a:xfrm>
+          <a:prstGeom prst="rect">
+            <a:avLst/>
+          </a:prstGeom>
+          <a:noFill/>
+        </p:spPr>
+        <p:txBody>
+          <a:bodyPr wrap="none" rtlCol="0">
+            <a:spAutoFit/>
+          </a:bodyPr>
+          <a:lstStyle/>
+          <a:p>
+            <a:pPr algn="ctr"/>
+            <a:r>
+              <a:rPr lang="en-US" altLang="zh-CN" sz="7000" b="1" spc="800" dirty="0">
+                <a:solidFill>
+                  <a:schemeClr val="tx2"/>
+                </a:solidFill>
+                <a:latin typeface="Lato Black" charset="0"/>
+                <a:ea typeface="Lato Black" charset="0"/>
+                <a:cs typeface="Lato Black" charset="0"/>
+              </a:rPr>
+              <a:t>Micro </a:t>
+            </a:r>
+            <a:r>
+              <a:rPr lang="zh-CN" altLang="en-US" sz="7000" b="1" spc="800" dirty="0">
+                <a:solidFill>
+                  <a:schemeClr val="tx2"/>
+                </a:solidFill>
+                <a:latin typeface="Lato Black" charset="0"/>
+                <a:ea typeface="Lato Black" charset="0"/>
+                <a:cs typeface="Lato Black" charset="0"/>
+              </a:rPr>
+              <a:t>中国</a:t>
+            </a:r>
+            <a:endParaRPr lang="en-US" sz="7000" b="1" spc="800" dirty="0">
+              <a:solidFill>
+                <a:schemeClr val="tx2"/>
+              </a:solidFill>
+              <a:latin typeface="Lato Black" charset="0"/>
+              <a:ea typeface="Lato Black" charset="0"/>
+              <a:cs typeface="Lato Black" charset="0"/>
+            </a:endParaRPr>
+          </a:p>
+        </p:txBody>
+      </p:sp>
+      <p:sp>
+        <p:nvSpPr>
+          <p:cNvPr id="5" name="Subtitle 2">
+            <a:extLst>
+              <a:ext uri="{FF2B5EF4-FFF2-40B4-BE49-F238E27FC236}">
+                <a16:creationId xmlns:a16="http://schemas.microsoft.com/office/drawing/2014/main" id="{2EF74E9A-DF9E-45FE-86CD-52D5BC0C3D35}"/>
+              </a:ext>
+            </a:extLst>
+          </p:cNvPr>
+          <p:cNvSpPr txBox="1">
+            <a:spLocks/>
+          </p:cNvSpPr>
+          <p:nvPr/>
+        </p:nvSpPr>
+        <p:spPr>
+          <a:xfrm>
+            <a:off x="1699054" y="2807788"/>
+            <a:ext cx="8043198" cy="4793367"/>
+          </a:xfrm>
+          <a:prstGeom prst="rect">
+            <a:avLst/>
+          </a:prstGeom>
+        </p:spPr>
+        <p:txBody>
+          <a:bodyPr vert="horz" wrap="square" lIns="217490" tIns="108745" rIns="217490" bIns="108745" rtlCol="0">
+            <a:spAutoFit/>
+          </a:bodyPr>
+          <a:lstStyle>
+            <a:lvl1pPr marL="0" indent="0" algn="ctr" defTabSz="1087636" rtl="0" eaLnBrk="1" latinLnBrk="0" hangingPunct="1">
+              <a:lnSpc>
+                <a:spcPct val="120000"/>
+              </a:lnSpc>
+              <a:spcBef>
+                <a:spcPct val="20000"/>
+              </a:spcBef>
+              <a:buFont typeface="Arial"/>
+              <a:buNone/>
+              <a:defRPr sz="2400" kern="1200">
+                <a:solidFill>
+                  <a:schemeClr val="tx2"/>
+                </a:solidFill>
+                <a:latin typeface="Open Sans Light"/>
+                <a:ea typeface="+mn-ea"/>
+                <a:cs typeface="Open Sans Light"/>
+              </a:defRPr>
+            </a:lvl1pPr>
+            <a:lvl2pPr marL="1087636" indent="0" algn="ctr" defTabSz="1087636" rtl="0" eaLnBrk="1" latinLnBrk="0" hangingPunct="1">
+              <a:lnSpc>
+                <a:spcPct val="130000"/>
+              </a:lnSpc>
+              <a:spcBef>
+                <a:spcPct val="20000"/>
+              </a:spcBef>
+              <a:buFont typeface="Arial"/>
+              <a:buNone/>
+              <a:defRPr sz="3200" kern="1200">
+                <a:solidFill>
+                  <a:schemeClr val="tx1">
+                    <a:tint val="75000"/>
+                  </a:schemeClr>
+                </a:solidFill>
+                <a:latin typeface="Open Sans"/>
+                <a:ea typeface="+mn-ea"/>
+                <a:cs typeface="Open Sans"/>
+              </a:defRPr>
+            </a:lvl2pPr>
+            <a:lvl3pPr marL="2175271" indent="0" algn="ctr" defTabSz="1087636" rtl="0" eaLnBrk="1" latinLnBrk="0" hangingPunct="1">
+              <a:lnSpc>
+                <a:spcPct val="130000"/>
+              </a:lnSpc>
+              <a:spcBef>
+                <a:spcPct val="20000"/>
+              </a:spcBef>
+              <a:buFont typeface="Arial"/>
+              <a:buNone/>
+              <a:defRPr sz="3200" kern="1200">
+                <a:solidFill>
+                  <a:schemeClr val="tx1">
+                    <a:tint val="75000"/>
+                  </a:schemeClr>
+                </a:solidFill>
+                <a:latin typeface="Open Sans"/>
+                <a:ea typeface="+mn-ea"/>
+                <a:cs typeface="Open Sans"/>
+              </a:defRPr>
+            </a:lvl3pPr>
+            <a:lvl4pPr marL="3262912" indent="0" algn="ctr" defTabSz="1087636" rtl="0" eaLnBrk="1" latinLnBrk="0" hangingPunct="1">
+              <a:lnSpc>
+                <a:spcPct val="130000"/>
+              </a:lnSpc>
+              <a:spcBef>
+                <a:spcPct val="20000"/>
+              </a:spcBef>
+              <a:buFont typeface="Arial"/>
+              <a:buNone/>
+              <a:defRPr sz="3200" kern="1200">
+                <a:solidFill>
+                  <a:schemeClr val="tx1">
+                    <a:tint val="75000"/>
+                  </a:schemeClr>
+                </a:solidFill>
+                <a:latin typeface="Open Sans"/>
+                <a:ea typeface="+mn-ea"/>
+                <a:cs typeface="Open Sans"/>
+              </a:defRPr>
+            </a:lvl4pPr>
+            <a:lvl5pPr marL="4350546" indent="0" algn="ctr" defTabSz="1087636" rtl="0" eaLnBrk="1" latinLnBrk="0" hangingPunct="1">
+              <a:lnSpc>
+                <a:spcPct val="130000"/>
+              </a:lnSpc>
+              <a:spcBef>
+                <a:spcPct val="20000"/>
+              </a:spcBef>
+              <a:buFont typeface="Arial"/>
+              <a:buNone/>
+              <a:defRPr sz="3200" kern="1200">
+                <a:solidFill>
+                  <a:schemeClr val="tx1">
+                    <a:tint val="75000"/>
+                  </a:schemeClr>
+                </a:solidFill>
+                <a:latin typeface="Open Sans"/>
+                <a:ea typeface="+mn-ea"/>
+                <a:cs typeface="Open Sans"/>
+              </a:defRPr>
+            </a:lvl5pPr>
+            <a:lvl6pPr marL="5438184" indent="0" algn="ctr" defTabSz="1087636" rtl="0" eaLnBrk="1" latinLnBrk="0" hangingPunct="1">
+              <a:spcBef>
+                <a:spcPct val="20000"/>
+              </a:spcBef>
+              <a:buFont typeface="Arial"/>
+              <a:buNone/>
+              <a:defRPr sz="4800" kern="1200">
+                <a:solidFill>
+                  <a:schemeClr val="tx1">
+                    <a:tint val="75000"/>
+                  </a:schemeClr>
+                </a:solidFill>
+                <a:latin typeface="+mn-lt"/>
+                <a:ea typeface="+mn-ea"/>
+                <a:cs typeface="+mn-cs"/>
+              </a:defRPr>
+            </a:lvl6pPr>
+            <a:lvl7pPr marL="6525820" indent="0" algn="ctr" defTabSz="1087636" rtl="0" eaLnBrk="1" latinLnBrk="0" hangingPunct="1">
+              <a:spcBef>
+                <a:spcPct val="20000"/>
+              </a:spcBef>
+              <a:buFont typeface="Arial"/>
+              <a:buNone/>
+              <a:defRPr sz="4800" kern="1200">
+                <a:solidFill>
+                  <a:schemeClr val="tx1">
+                    <a:tint val="75000"/>
+                  </a:schemeClr>
+                </a:solidFill>
+                <a:latin typeface="+mn-lt"/>
+                <a:ea typeface="+mn-ea"/>
+                <a:cs typeface="+mn-cs"/>
+              </a:defRPr>
+            </a:lvl7pPr>
+            <a:lvl8pPr marL="7613455" indent="0" algn="ctr" defTabSz="1087636" rtl="0" eaLnBrk="1" latinLnBrk="0" hangingPunct="1">
+              <a:spcBef>
+                <a:spcPct val="20000"/>
+              </a:spcBef>
+              <a:buFont typeface="Arial"/>
+              <a:buNone/>
+              <a:defRPr sz="4800" kern="1200">
+                <a:solidFill>
+                  <a:schemeClr val="tx1">
+                    <a:tint val="75000"/>
+                  </a:schemeClr>
+                </a:solidFill>
+                <a:latin typeface="+mn-lt"/>
+                <a:ea typeface="+mn-ea"/>
+                <a:cs typeface="+mn-cs"/>
+              </a:defRPr>
+            </a:lvl8pPr>
+            <a:lvl9pPr marL="8701091" indent="0" algn="ctr" defTabSz="1087636" rtl="0" eaLnBrk="1" latinLnBrk="0" hangingPunct="1">
+              <a:spcBef>
+                <a:spcPct val="20000"/>
+              </a:spcBef>
+              <a:buFont typeface="Arial"/>
+              <a:buNone/>
+              <a:defRPr sz="4800" kern="1200">
+                <a:solidFill>
+                  <a:schemeClr val="tx1">
+                    <a:tint val="75000"/>
+                  </a:schemeClr>
+                </a:solidFill>
+                <a:latin typeface="+mn-lt"/>
+                <a:ea typeface="+mn-ea"/>
+                <a:cs typeface="+mn-cs"/>
+              </a:defRPr>
+            </a:lvl9pPr>
+          </a:lstStyle>
+          <a:p>
+            <a:pPr algn="just">
+              <a:lnSpc>
+                <a:spcPts val="4040"/>
+              </a:lnSpc>
+            </a:pPr>
+            <a:r>
+              <a:rPr lang="en-US" altLang="zh-CN" b="1" dirty="0">
+                <a:solidFill>
+                  <a:schemeClr val="tx1"/>
+                </a:solidFill>
+                <a:latin typeface="Poppins Light" charset="0"/>
+                <a:ea typeface="Poppins Light" charset="0"/>
+                <a:cs typeface="Poppins Light" charset="0"/>
+              </a:rPr>
+              <a:t>1.</a:t>
+            </a:r>
+            <a:r>
+              <a:rPr lang="zh-CN" altLang="en-US" b="1" dirty="0">
+                <a:solidFill>
+                  <a:schemeClr val="tx1"/>
+                </a:solidFill>
+                <a:latin typeface="Poppins Light" charset="0"/>
+                <a:ea typeface="Poppins Light" charset="0"/>
+                <a:cs typeface="Poppins Light" charset="0"/>
+              </a:rPr>
+              <a:t> 诞生</a:t>
+            </a:r>
+            <a:endParaRPr lang="en-US" altLang="zh-CN" b="1" dirty="0">
+              <a:solidFill>
+                <a:schemeClr val="tx1"/>
+              </a:solidFill>
+              <a:latin typeface="Poppins Light" charset="0"/>
+              <a:ea typeface="Poppins Light" charset="0"/>
+              <a:cs typeface="Poppins Light" charset="0"/>
+            </a:endParaRPr>
+          </a:p>
+          <a:p>
+            <a:pPr algn="just">
+              <a:lnSpc>
+                <a:spcPts val="4040"/>
+              </a:lnSpc>
+            </a:pPr>
+            <a:r>
+              <a:rPr lang="en-US" altLang="zh-CN" dirty="0">
+                <a:solidFill>
+                  <a:schemeClr val="tx1"/>
+                </a:solidFill>
+                <a:latin typeface="Poppins Light" charset="0"/>
+                <a:ea typeface="Poppins Light" charset="0"/>
+                <a:cs typeface="Poppins Light" charset="0"/>
+              </a:rPr>
+              <a:t>  Micro</a:t>
+            </a:r>
+            <a:r>
+              <a:rPr lang="zh-CN" altLang="en-US" dirty="0">
+                <a:solidFill>
+                  <a:schemeClr val="tx1"/>
+                </a:solidFill>
+                <a:latin typeface="Poppins Light" charset="0"/>
+                <a:ea typeface="Poppins Light" charset="0"/>
+                <a:cs typeface="Poppins Light" charset="0"/>
+              </a:rPr>
+              <a:t> 中国于</a:t>
+            </a:r>
+            <a:r>
+              <a:rPr lang="en-US" altLang="zh-CN" dirty="0">
+                <a:solidFill>
+                  <a:schemeClr val="tx1"/>
+                </a:solidFill>
+                <a:latin typeface="Poppins Light" charset="0"/>
+                <a:ea typeface="Poppins Light" charset="0"/>
+                <a:cs typeface="Poppins Light" charset="0"/>
+              </a:rPr>
+              <a:t>2019</a:t>
+            </a:r>
+            <a:r>
+              <a:rPr lang="zh-CN" altLang="en-US" dirty="0">
+                <a:solidFill>
+                  <a:schemeClr val="tx1"/>
+                </a:solidFill>
+                <a:latin typeface="Poppins Light" charset="0"/>
+                <a:ea typeface="Poppins Light" charset="0"/>
+                <a:cs typeface="Poppins Light" charset="0"/>
+              </a:rPr>
+              <a:t>年</a:t>
+            </a:r>
+            <a:r>
+              <a:rPr lang="en-US" altLang="zh-CN" dirty="0">
+                <a:solidFill>
+                  <a:schemeClr val="tx1"/>
+                </a:solidFill>
+                <a:latin typeface="Poppins Light" charset="0"/>
+                <a:ea typeface="Poppins Light" charset="0"/>
+                <a:cs typeface="Poppins Light" charset="0"/>
+              </a:rPr>
+              <a:t>2</a:t>
+            </a:r>
+            <a:r>
+              <a:rPr lang="zh-CN" altLang="en-US" dirty="0">
+                <a:solidFill>
+                  <a:schemeClr val="tx1"/>
+                </a:solidFill>
+                <a:latin typeface="Poppins Light" charset="0"/>
+                <a:ea typeface="Poppins Light" charset="0"/>
+                <a:cs typeface="Poppins Light" charset="0"/>
+              </a:rPr>
+              <a:t>月发起</a:t>
+            </a:r>
+            <a:endParaRPr lang="en-US" altLang="zh-CN" dirty="0">
+              <a:solidFill>
+                <a:schemeClr val="tx1"/>
+              </a:solidFill>
+              <a:latin typeface="Poppins Light" charset="0"/>
+              <a:ea typeface="Poppins Light" charset="0"/>
+              <a:cs typeface="Poppins Light" charset="0"/>
+            </a:endParaRPr>
+          </a:p>
+          <a:p>
+            <a:pPr algn="just">
+              <a:lnSpc>
+                <a:spcPts val="4040"/>
+              </a:lnSpc>
+            </a:pPr>
+            <a:r>
+              <a:rPr lang="en-US" altLang="zh-CN" b="1" dirty="0">
+                <a:solidFill>
+                  <a:schemeClr val="tx1"/>
+                </a:solidFill>
+                <a:latin typeface="Poppins Light" charset="0"/>
+              </a:rPr>
+              <a:t>2.</a:t>
+            </a:r>
+            <a:r>
+              <a:rPr lang="zh-CN" altLang="en-US" b="1" dirty="0">
+                <a:solidFill>
+                  <a:schemeClr val="tx1"/>
+                </a:solidFill>
+                <a:latin typeface="Poppins Light" charset="0"/>
+              </a:rPr>
+              <a:t> 目标</a:t>
+            </a:r>
+            <a:endParaRPr lang="en-US" altLang="zh-CN" b="1" dirty="0">
+              <a:solidFill>
+                <a:schemeClr val="tx1"/>
+              </a:solidFill>
+              <a:latin typeface="Poppins Light" charset="0"/>
+            </a:endParaRPr>
+          </a:p>
+          <a:p>
+            <a:pPr algn="just">
+              <a:lnSpc>
+                <a:spcPts val="4040"/>
+              </a:lnSpc>
+            </a:pPr>
+            <a:r>
+              <a:rPr lang="zh-CN" altLang="en-US" dirty="0">
+                <a:solidFill>
+                  <a:schemeClr val="tx1"/>
+                </a:solidFill>
+                <a:latin typeface="Poppins Light" charset="0"/>
+                <a:ea typeface="Poppins Light" charset="0"/>
+                <a:cs typeface="Poppins Light" charset="0"/>
+              </a:rPr>
+              <a:t>  完整的中文示例与手册</a:t>
+            </a:r>
+            <a:endParaRPr lang="en-US" altLang="zh-CN" dirty="0">
+              <a:solidFill>
+                <a:schemeClr val="tx1"/>
+              </a:solidFill>
+              <a:latin typeface="Poppins Light" charset="0"/>
+              <a:ea typeface="Poppins Light" charset="0"/>
+              <a:cs typeface="Poppins Light" charset="0"/>
+            </a:endParaRPr>
+          </a:p>
+          <a:p>
+            <a:pPr algn="just">
+              <a:lnSpc>
+                <a:spcPts val="4040"/>
+              </a:lnSpc>
+            </a:pPr>
+            <a:r>
+              <a:rPr lang="zh-CN" altLang="en-US" dirty="0">
+                <a:solidFill>
+                  <a:schemeClr val="tx1"/>
+                </a:solidFill>
+                <a:latin typeface="Poppins Light" charset="0"/>
+                <a:ea typeface="Poppins Light" charset="0"/>
+                <a:cs typeface="Poppins Light" charset="0"/>
+              </a:rPr>
+              <a:t>  统一资源的站点</a:t>
+            </a:r>
+            <a:r>
+              <a:rPr lang="en-US" altLang="zh-CN" dirty="0">
+                <a:solidFill>
+                  <a:schemeClr val="tx1"/>
+                </a:solidFill>
+                <a:latin typeface="Poppins Light" charset="0"/>
+                <a:ea typeface="Poppins Light" charset="0"/>
+                <a:cs typeface="Poppins Light" charset="0"/>
+              </a:rPr>
+              <a:t>microcn.mu</a:t>
+            </a:r>
+            <a:r>
+              <a:rPr lang="zh-CN" altLang="en-US" dirty="0">
+                <a:solidFill>
+                  <a:schemeClr val="tx1"/>
+                </a:solidFill>
+                <a:latin typeface="Poppins Light" charset="0"/>
+                <a:ea typeface="Poppins Light" charset="0"/>
+                <a:cs typeface="Poppins Light" charset="0"/>
+              </a:rPr>
+              <a:t>（开发中）</a:t>
+            </a:r>
+            <a:endParaRPr lang="en-US" altLang="zh-CN" dirty="0">
+              <a:solidFill>
+                <a:schemeClr val="tx1"/>
+              </a:solidFill>
+              <a:latin typeface="Poppins Light" charset="0"/>
+              <a:ea typeface="Poppins Light" charset="0"/>
+              <a:cs typeface="Poppins Light" charset="0"/>
+            </a:endParaRPr>
+          </a:p>
+          <a:p>
+            <a:pPr algn="just">
+              <a:lnSpc>
+                <a:spcPts val="4040"/>
+              </a:lnSpc>
+            </a:pPr>
+            <a:r>
+              <a:rPr lang="en-US" altLang="zh-CN" dirty="0">
+                <a:solidFill>
+                  <a:schemeClr val="tx1"/>
+                </a:solidFill>
+                <a:latin typeface="Poppins Light" charset="0"/>
+                <a:ea typeface="Poppins Light" charset="0"/>
+                <a:cs typeface="Poppins Light" charset="0"/>
+              </a:rPr>
+              <a:t>  Micro </a:t>
+            </a:r>
+            <a:r>
+              <a:rPr lang="zh-CN" altLang="en-US" dirty="0">
+                <a:solidFill>
+                  <a:schemeClr val="tx1"/>
+                </a:solidFill>
+                <a:latin typeface="Poppins Light" charset="0"/>
+                <a:ea typeface="Poppins Light" charset="0"/>
+                <a:cs typeface="Poppins Light" charset="0"/>
+              </a:rPr>
+              <a:t>本土化的应用与插件</a:t>
+            </a:r>
+            <a:endParaRPr lang="en-US" altLang="zh-CN" dirty="0">
+              <a:solidFill>
+                <a:schemeClr val="tx1"/>
+              </a:solidFill>
+              <a:latin typeface="Poppins Light" charset="0"/>
+              <a:ea typeface="Poppins Light" charset="0"/>
+              <a:cs typeface="Poppins Light" charset="0"/>
+            </a:endParaRPr>
+          </a:p>
+          <a:p>
+            <a:pPr algn="just">
+              <a:lnSpc>
+                <a:spcPts val="4040"/>
+              </a:lnSpc>
+            </a:pPr>
+            <a:r>
+              <a:rPr lang="en-US" altLang="zh-CN" dirty="0">
+                <a:solidFill>
+                  <a:schemeClr val="tx1"/>
+                </a:solidFill>
+                <a:latin typeface="Poppins Light" charset="0"/>
+                <a:ea typeface="Poppins Light" charset="0"/>
+                <a:cs typeface="Poppins Light" charset="0"/>
+              </a:rPr>
+              <a:t>  </a:t>
+            </a:r>
+            <a:r>
+              <a:rPr lang="zh-CN" altLang="en-US" dirty="0">
+                <a:solidFill>
+                  <a:schemeClr val="tx1"/>
+                </a:solidFill>
+                <a:latin typeface="Poppins Light" charset="0"/>
+                <a:ea typeface="Poppins Light" charset="0"/>
+                <a:cs typeface="Poppins Light" charset="0"/>
+              </a:rPr>
+              <a:t>技术讨论、获取支持的平台</a:t>
+            </a:r>
+            <a:endParaRPr lang="en-US" altLang="zh-CN" dirty="0">
+              <a:solidFill>
+                <a:schemeClr val="tx1"/>
+              </a:solidFill>
+              <a:latin typeface="Poppins Light" charset="0"/>
+              <a:ea typeface="Poppins Light" charset="0"/>
+              <a:cs typeface="Poppins Light" charset="0"/>
+            </a:endParaRPr>
+          </a:p>
+          <a:p>
+            <a:pPr algn="just">
+              <a:lnSpc>
+                <a:spcPts val="4040"/>
+              </a:lnSpc>
+            </a:pPr>
+            <a:endParaRPr lang="en-US" dirty="0">
+              <a:solidFill>
+                <a:schemeClr val="tx1"/>
+              </a:solidFill>
+              <a:latin typeface="Poppins Light" charset="0"/>
+              <a:ea typeface="Poppins Light" charset="0"/>
+              <a:cs typeface="Poppins Light" charset="0"/>
+            </a:endParaRPr>
+          </a:p>
+        </p:txBody>
+      </p:sp>
+      <p:pic>
+        <p:nvPicPr>
+          <p:cNvPr id="1026" name="Picture 2">
+            <a:extLst>
+              <a:ext uri="{FF2B5EF4-FFF2-40B4-BE49-F238E27FC236}">
+                <a16:creationId xmlns:a16="http://schemas.microsoft.com/office/drawing/2014/main" id="{3251E782-BE70-487D-8653-0FC423A4118E}"/>
+              </a:ext>
+            </a:extLst>
+          </p:cNvPr>
+          <p:cNvPicPr>
+            <a:picLocks noChangeAspect="1" noChangeArrowheads="1"/>
+          </p:cNvPicPr>
+          <p:nvPr/>
+        </p:nvPicPr>
+        <p:blipFill>
+          <a:blip r:embed="rId2">
+            <a:extLst>
+              <a:ext uri="{28A0092B-C50C-407E-A947-70E740481C1C}">
+                <a14:useLocalDpi xmlns:a14="http://schemas.microsoft.com/office/drawing/2010/main" val="0"/>
+              </a:ext>
+            </a:extLst>
+          </a:blip>
+          <a:srcRect/>
+          <a:stretch>
+            <a:fillRect/>
+          </a:stretch>
+        </p:blipFill>
+        <p:spPr bwMode="auto">
+          <a:xfrm>
+            <a:off x="12611145" y="2855029"/>
+            <a:ext cx="4048509" cy="4048509"/>
+          </a:xfrm>
+          <a:prstGeom prst="rect">
+            <a:avLst/>
+          </a:prstGeom>
+          <a:noFill/>
+          <a:extLst>
+            <a:ext uri="{909E8E84-426E-40DD-AFC4-6F175D3DCCD1}">
+              <a14:hiddenFill xmlns:a14="http://schemas.microsoft.com/office/drawing/2010/main">
+                <a:solidFill>
+                  <a:srgbClr val="FFFFFF"/>
+                </a:solidFill>
+              </a14:hiddenFill>
+            </a:ext>
+          </a:extLst>
+        </p:spPr>
+      </p:pic>
+      <p:pic>
+        <p:nvPicPr>
+          <p:cNvPr id="1028" name="Picture 4">
+            <a:extLst>
+              <a:ext uri="{FF2B5EF4-FFF2-40B4-BE49-F238E27FC236}">
+                <a16:creationId xmlns:a16="http://schemas.microsoft.com/office/drawing/2014/main" id="{60C00E29-937B-4051-B057-60E4AC9344E7}"/>
+              </a:ext>
+            </a:extLst>
+          </p:cNvPr>
+          <p:cNvPicPr>
+            <a:picLocks noChangeAspect="1" noChangeArrowheads="1"/>
+          </p:cNvPicPr>
+          <p:nvPr/>
+        </p:nvPicPr>
+        <p:blipFill>
+          <a:blip r:embed="rId3">
+            <a:extLst>
+              <a:ext uri="{28A0092B-C50C-407E-A947-70E740481C1C}">
+                <a14:useLocalDpi xmlns:a14="http://schemas.microsoft.com/office/drawing/2010/main" val="0"/>
+              </a:ext>
+            </a:extLst>
+          </a:blip>
+          <a:srcRect/>
+          <a:stretch>
+            <a:fillRect/>
+          </a:stretch>
+        </p:blipFill>
+        <p:spPr bwMode="auto">
+          <a:xfrm>
+            <a:off x="18291037" y="2807788"/>
+            <a:ext cx="4095750" cy="4095750"/>
+          </a:xfrm>
+          <a:prstGeom prst="rect">
+            <a:avLst/>
+          </a:prstGeom>
+          <a:noFill/>
+          <a:extLst>
+            <a:ext uri="{909E8E84-426E-40DD-AFC4-6F175D3DCCD1}">
+              <a14:hiddenFill xmlns:a14="http://schemas.microsoft.com/office/drawing/2010/main">
+                <a:solidFill>
+                  <a:srgbClr val="FFFFFF"/>
+                </a:solidFill>
+              </a14:hiddenFill>
+            </a:ext>
+          </a:extLst>
+        </p:spPr>
+      </p:pic>
+      <p:sp>
+        <p:nvSpPr>
+          <p:cNvPr id="2" name="Rectangle 1">
+            <a:extLst>
+              <a:ext uri="{FF2B5EF4-FFF2-40B4-BE49-F238E27FC236}">
+                <a16:creationId xmlns:a16="http://schemas.microsoft.com/office/drawing/2014/main" id="{A54086A1-C8E3-4A00-808A-9F4B09164756}"/>
+              </a:ext>
+            </a:extLst>
+          </p:cNvPr>
+          <p:cNvSpPr/>
+          <p:nvPr/>
+        </p:nvSpPr>
+        <p:spPr>
+          <a:xfrm>
+            <a:off x="13850569" y="6903538"/>
+            <a:ext cx="1569660" cy="605294"/>
+          </a:xfrm>
+          <a:prstGeom prst="rect">
+            <a:avLst/>
+          </a:prstGeom>
+        </p:spPr>
+        <p:txBody>
+          <a:bodyPr wrap="none">
+            <a:spAutoFit/>
+          </a:bodyPr>
+          <a:lstStyle/>
+          <a:p>
+            <a:pPr algn="just">
+              <a:lnSpc>
+                <a:spcPts val="4040"/>
+              </a:lnSpc>
+            </a:pPr>
+            <a:r>
+              <a:rPr lang="zh-CN" altLang="en-US" dirty="0">
+                <a:latin typeface="Poppins Light" charset="0"/>
+                <a:ea typeface="Poppins Light" charset="0"/>
+                <a:cs typeface="Poppins Light" charset="0"/>
+              </a:rPr>
+              <a:t>公众号</a:t>
+            </a:r>
+            <a:endParaRPr lang="en-US" altLang="zh-CN" dirty="0">
+              <a:latin typeface="Poppins Light" charset="0"/>
+              <a:ea typeface="Poppins Light" charset="0"/>
+              <a:cs typeface="Poppins Light" charset="0"/>
+            </a:endParaRPr>
+          </a:p>
+        </p:txBody>
+      </p:sp>
+      <p:sp>
+        <p:nvSpPr>
+          <p:cNvPr id="8" name="Rectangle 7">
+            <a:extLst>
+              <a:ext uri="{FF2B5EF4-FFF2-40B4-BE49-F238E27FC236}">
+                <a16:creationId xmlns:a16="http://schemas.microsoft.com/office/drawing/2014/main" id="{121C8F25-FD2D-43FA-9DE5-9C38AF1D5CFE}"/>
+              </a:ext>
+            </a:extLst>
+          </p:cNvPr>
+          <p:cNvSpPr/>
+          <p:nvPr/>
+        </p:nvSpPr>
+        <p:spPr>
+          <a:xfrm>
+            <a:off x="19554084" y="6903538"/>
+            <a:ext cx="1569660" cy="605294"/>
+          </a:xfrm>
+          <a:prstGeom prst="rect">
+            <a:avLst/>
+          </a:prstGeom>
+        </p:spPr>
+        <p:txBody>
+          <a:bodyPr wrap="none">
+            <a:spAutoFit/>
+          </a:bodyPr>
+          <a:lstStyle/>
+          <a:p>
+            <a:pPr algn="just">
+              <a:lnSpc>
+                <a:spcPts val="4040"/>
+              </a:lnSpc>
+            </a:pPr>
+            <a:r>
+              <a:rPr lang="zh-CN" altLang="en-US" dirty="0">
+                <a:latin typeface="Poppins Light" charset="0"/>
+                <a:ea typeface="Poppins Light" charset="0"/>
+                <a:cs typeface="Poppins Light" charset="0"/>
+              </a:rPr>
+              <a:t>讨论群</a:t>
+            </a:r>
+            <a:endParaRPr lang="en-US" altLang="zh-CN" dirty="0">
+              <a:latin typeface="Poppins Light" charset="0"/>
+              <a:ea typeface="Poppins Light" charset="0"/>
+              <a:cs typeface="Poppins Light" charset="0"/>
+            </a:endParaRPr>
+          </a:p>
+        </p:txBody>
+      </p:sp>
+    </p:spTree>
+    <p:extLst>
+      <p:ext uri="{BB962C8B-B14F-4D97-AF65-F5344CB8AC3E}">
+        <p14:creationId xmlns:p14="http://schemas.microsoft.com/office/powerpoint/2010/main" val="3178162489"/>
       </p:ext>
     </p:extLst>
   </p:cSld>
